--- a/3. Spring 5.0 (Core, MVC, REST, Data JPA, Data REST)/Day 7/Slides/6. Configuration of Spring and JPA for Development/configuration-of-spring-and-jpa-for-development-slides.pptx
+++ b/3. Spring 5.0 (Core, MVC, REST, Data JPA, Data REST)/Day 7/Slides/6. Configuration of Spring and JPA for Development/configuration-of-spring-and-jpa-for-development-slides.pptx
@@ -3420,7 +3420,7 @@
                 <a:latin typeface="Verdana" panose="020B0604030504040204"/>
                 <a:cs typeface="Verdana" panose="020B0604030504040204"/>
               </a:rPr>
-              <a:t>Postgre</a:t>
+              <a:t>My</a:t>
             </a:r>
             <a:r>
               <a:rPr sz="3950" spc="90" dirty="0">
@@ -4875,8 +4875,8 @@
         </p:nvSpPr>
         <p:spPr>
           <a:xfrm>
-            <a:off x="1136890" y="2911358"/>
-            <a:ext cx="15177135" cy="6266815"/>
+            <a:off x="1136650" y="2911475"/>
+            <a:ext cx="18545175" cy="6266815"/>
           </a:xfrm>
           <a:prstGeom prst="rect">
             <a:avLst/>
@@ -4913,7 +4913,15 @@
             </a:pPr>
             <a:r>
               <a:rPr spc="-5" dirty="0"/>
-              <a:t>			&lt;groupId&gt;org.postgresql&lt;/groupId&gt;</a:t>
+              <a:t>			&lt;groupId&gt;</a:t>
+            </a:r>
+            <a:r>
+              <a:rPr lang="en-US" spc="-5" dirty="0"/>
+              <a:t>mysql</a:t>
+            </a:r>
+            <a:r>
+              <a:rPr spc="-5" dirty="0"/>
+              <a:t>&lt;/groupId&gt;</a:t>
             </a:r>
             <a:endParaRPr spc="-5" dirty="0"/>
           </a:p>
@@ -4928,7 +4936,7 @@
             </a:pPr>
             <a:r>
               <a:rPr spc="-5" dirty="0"/>
-              <a:t>			&lt;artifactId&gt;postgresql&lt;/artifactId&gt;</a:t>
+              <a:t>			&lt;artifactId&gt;mysql-connector-java&lt;/artifactId&gt;</a:t>
             </a:r>
             <a:endParaRPr spc="-5" dirty="0"/>
           </a:p>
@@ -5010,7 +5018,7 @@
                 <a:latin typeface="Verdana" panose="020B0604030504040204"/>
                 <a:cs typeface="Verdana" panose="020B0604030504040204"/>
               </a:rPr>
-              <a:t>Postgre</a:t>
+              <a:t>My</a:t>
             </a:r>
             <a:r>
               <a:rPr sz="5900" spc="145" dirty="0">
